--- a/презентация/Юдина-практика.pptx
+++ b/презентация/Юдина-практика.pptx
@@ -203,7 +203,7 @@
           <a:p>
             <a:fld id="{89AF03A8-4AC7-4838-B15E-C787BE6B62C9}" type="datetimeFigureOut">
               <a:rPr lang="ru-RU" smtClean="0"/>
-              <a:t>21.12.2023</a:t>
+              <a:t>22.12.2023</a:t>
             </a:fld>
             <a:endParaRPr lang="ru-RU"/>
           </a:p>
@@ -617,7 +617,7 @@
           <a:p>
             <a:fld id="{AA2A47E1-C57F-4987-847D-2E8CC8DE497A}" type="datetimeFigureOut">
               <a:rPr lang="ru-RU" smtClean="0"/>
-              <a:t>21.12.2023</a:t>
+              <a:t>22.12.2023</a:t>
             </a:fld>
             <a:endParaRPr lang="ru-RU"/>
           </a:p>
@@ -815,7 +815,7 @@
           <a:p>
             <a:fld id="{AA2A47E1-C57F-4987-847D-2E8CC8DE497A}" type="datetimeFigureOut">
               <a:rPr lang="ru-RU" smtClean="0"/>
-              <a:t>21.12.2023</a:t>
+              <a:t>22.12.2023</a:t>
             </a:fld>
             <a:endParaRPr lang="ru-RU"/>
           </a:p>
@@ -1023,7 +1023,7 @@
           <a:p>
             <a:fld id="{AA2A47E1-C57F-4987-847D-2E8CC8DE497A}" type="datetimeFigureOut">
               <a:rPr lang="ru-RU" smtClean="0"/>
-              <a:t>21.12.2023</a:t>
+              <a:t>22.12.2023</a:t>
             </a:fld>
             <a:endParaRPr lang="ru-RU"/>
           </a:p>
@@ -1221,7 +1221,7 @@
           <a:p>
             <a:fld id="{AA2A47E1-C57F-4987-847D-2E8CC8DE497A}" type="datetimeFigureOut">
               <a:rPr lang="ru-RU" smtClean="0"/>
-              <a:t>21.12.2023</a:t>
+              <a:t>22.12.2023</a:t>
             </a:fld>
             <a:endParaRPr lang="ru-RU"/>
           </a:p>
@@ -1496,7 +1496,7 @@
           <a:p>
             <a:fld id="{AA2A47E1-C57F-4987-847D-2E8CC8DE497A}" type="datetimeFigureOut">
               <a:rPr lang="ru-RU" smtClean="0"/>
-              <a:t>21.12.2023</a:t>
+              <a:t>22.12.2023</a:t>
             </a:fld>
             <a:endParaRPr lang="ru-RU"/>
           </a:p>
@@ -1761,7 +1761,7 @@
           <a:p>
             <a:fld id="{AA2A47E1-C57F-4987-847D-2E8CC8DE497A}" type="datetimeFigureOut">
               <a:rPr lang="ru-RU" smtClean="0"/>
-              <a:t>21.12.2023</a:t>
+              <a:t>22.12.2023</a:t>
             </a:fld>
             <a:endParaRPr lang="ru-RU"/>
           </a:p>
@@ -2173,7 +2173,7 @@
           <a:p>
             <a:fld id="{AA2A47E1-C57F-4987-847D-2E8CC8DE497A}" type="datetimeFigureOut">
               <a:rPr lang="ru-RU" smtClean="0"/>
-              <a:t>21.12.2023</a:t>
+              <a:t>22.12.2023</a:t>
             </a:fld>
             <a:endParaRPr lang="ru-RU"/>
           </a:p>
@@ -2314,7 +2314,7 @@
           <a:p>
             <a:fld id="{AA2A47E1-C57F-4987-847D-2E8CC8DE497A}" type="datetimeFigureOut">
               <a:rPr lang="ru-RU" smtClean="0"/>
-              <a:t>21.12.2023</a:t>
+              <a:t>22.12.2023</a:t>
             </a:fld>
             <a:endParaRPr lang="ru-RU"/>
           </a:p>
@@ -2427,7 +2427,7 @@
           <a:p>
             <a:fld id="{AA2A47E1-C57F-4987-847D-2E8CC8DE497A}" type="datetimeFigureOut">
               <a:rPr lang="ru-RU" smtClean="0"/>
-              <a:t>21.12.2023</a:t>
+              <a:t>22.12.2023</a:t>
             </a:fld>
             <a:endParaRPr lang="ru-RU"/>
           </a:p>
@@ -2738,7 +2738,7 @@
           <a:p>
             <a:fld id="{AA2A47E1-C57F-4987-847D-2E8CC8DE497A}" type="datetimeFigureOut">
               <a:rPr lang="ru-RU" smtClean="0"/>
-              <a:t>21.12.2023</a:t>
+              <a:t>22.12.2023</a:t>
             </a:fld>
             <a:endParaRPr lang="ru-RU"/>
           </a:p>
@@ -3026,7 +3026,7 @@
           <a:p>
             <a:fld id="{AA2A47E1-C57F-4987-847D-2E8CC8DE497A}" type="datetimeFigureOut">
               <a:rPr lang="ru-RU" smtClean="0"/>
-              <a:t>21.12.2023</a:t>
+              <a:t>22.12.2023</a:t>
             </a:fld>
             <a:endParaRPr lang="ru-RU"/>
           </a:p>
@@ -3272,7 +3272,7 @@
           <a:p>
             <a:fld id="{AA2A47E1-C57F-4987-847D-2E8CC8DE497A}" type="datetimeFigureOut">
               <a:rPr lang="ru-RU" smtClean="0"/>
-              <a:t>21.12.2023</a:t>
+              <a:t>22.12.2023</a:t>
             </a:fld>
             <a:endParaRPr lang="ru-RU"/>
           </a:p>
@@ -4097,7 +4097,7 @@
         <p:spPr>
           <a:xfrm>
             <a:off x="179514" y="1189281"/>
-            <a:ext cx="10871823" cy="3600986"/>
+            <a:ext cx="11453043" cy="4678204"/>
           </a:xfrm>
           <a:prstGeom prst="rect">
             <a:avLst/>
@@ -4112,13 +4112,13 @@
           <a:p>
             <a:pPr marL="285750" indent="-285750" algn="justLow">
               <a:lnSpc>
-                <a:spcPct val="150000"/>
+                <a:spcPct val="120000"/>
               </a:lnSpc>
               <a:buFont typeface="Системный шрифт, обычный"/>
               <a:buChar char="☀️"/>
             </a:pPr>
             <a:r>
-              <a:rPr lang="ru-RU" sz="2000" b="1" i="0" dirty="0">
+              <a:rPr lang="ru-RU" sz="2500" b="1" i="0" dirty="0">
                 <a:effectLst/>
                 <a:latin typeface="Arial" panose="020B0604020202020204" pitchFamily="34" charset="0"/>
                 <a:cs typeface="Arial" panose="020B0604020202020204" pitchFamily="34" charset="0"/>
@@ -4126,7 +4126,7 @@
               <a:t>Переменность солнечной активности:</a:t>
             </a:r>
             <a:r>
-              <a:rPr lang="ru-RU" sz="2000" b="0" i="0" dirty="0">
+              <a:rPr lang="ru-RU" sz="2500" b="0" i="0" dirty="0">
                 <a:solidFill>
                   <a:srgbClr val="374151"/>
                 </a:solidFill>
@@ -4140,13 +4140,13 @@
           <a:p>
             <a:pPr marL="285750" indent="-285750" algn="justLow">
               <a:lnSpc>
-                <a:spcPct val="150000"/>
+                <a:spcPct val="120000"/>
               </a:lnSpc>
               <a:buFont typeface="Системный шрифт, обычный"/>
               <a:buChar char="☀️"/>
             </a:pPr>
             <a:r>
-              <a:rPr lang="ru-RU" sz="2000" b="1" i="0" dirty="0">
+              <a:rPr lang="ru-RU" sz="2500" b="1" i="0" dirty="0">
                 <a:effectLst/>
                 <a:latin typeface="Arial" panose="020B0604020202020204" pitchFamily="34" charset="0"/>
                 <a:cs typeface="Arial" panose="020B0604020202020204" pitchFamily="34" charset="0"/>
@@ -4154,7 +4154,7 @@
               <a:t>Неопределенность погодных условий:</a:t>
             </a:r>
             <a:r>
-              <a:rPr lang="ru-RU" sz="2000" b="0" i="0" dirty="0">
+              <a:rPr lang="ru-RU" sz="2500" b="0" i="0" dirty="0">
                 <a:solidFill>
                   <a:srgbClr val="374151"/>
                 </a:solidFill>
@@ -4164,7 +4164,7 @@
               </a:rPr>
               <a:t> Погодные факторы, такие как облачность и осадки, существенно влияют на солнечную активность</a:t>
             </a:r>
-            <a:endParaRPr lang="ru-RU" sz="2000" dirty="0">
+            <a:endParaRPr lang="ru-RU" sz="2500" dirty="0">
               <a:solidFill>
                 <a:srgbClr val="374151"/>
               </a:solidFill>
@@ -4175,13 +4175,13 @@
           <a:p>
             <a:pPr marL="285750" indent="-285750" algn="justLow">
               <a:lnSpc>
-                <a:spcPct val="150000"/>
+                <a:spcPct val="120000"/>
               </a:lnSpc>
               <a:buFont typeface="Системный шрифт, обычный"/>
               <a:buChar char="☀️"/>
             </a:pPr>
             <a:r>
-              <a:rPr lang="ru-RU" sz="2000" b="1" i="0" dirty="0">
+              <a:rPr lang="ru-RU" sz="2500" b="1" i="0" dirty="0">
                 <a:effectLst/>
                 <a:latin typeface="Arial" panose="020B0604020202020204" pitchFamily="34" charset="0"/>
                 <a:cs typeface="Arial" panose="020B0604020202020204" pitchFamily="34" charset="0"/>
@@ -4189,7 +4189,7 @@
               <a:t>Необходимость точных данных:</a:t>
             </a:r>
             <a:r>
-              <a:rPr lang="ru-RU" sz="2000" b="0" i="0" dirty="0">
+              <a:rPr lang="ru-RU" sz="2500" b="0" i="0" dirty="0">
                 <a:solidFill>
                   <a:srgbClr val="374151"/>
                 </a:solidFill>
@@ -4202,10 +4202,13 @@
           </a:p>
           <a:p>
             <a:pPr marL="285750" indent="-285750">
+              <a:lnSpc>
+                <a:spcPct val="120000"/>
+              </a:lnSpc>
               <a:buFont typeface="Системный шрифт, обычный"/>
               <a:buChar char="☀️"/>
             </a:pPr>
-            <a:endParaRPr lang="ru-RU" dirty="0"/>
+            <a:endParaRPr lang="ru-RU" sz="2500" dirty="0"/>
           </a:p>
         </p:txBody>
       </p:sp>
@@ -4399,7 +4402,7 @@
         <p:spPr>
           <a:xfrm>
             <a:off x="263335" y="1146143"/>
-            <a:ext cx="11928665" cy="3816429"/>
+            <a:ext cx="11928665" cy="4899803"/>
           </a:xfrm>
           <a:prstGeom prst="rect">
             <a:avLst/>
@@ -4412,7 +4415,11 @@
           </a:bodyPr>
           <a:lstStyle/>
           <a:p>
-            <a:pPr algn="ctr"/>
+            <a:pPr algn="ctr">
+              <a:lnSpc>
+                <a:spcPct val="120000"/>
+              </a:lnSpc>
+            </a:pPr>
             <a:r>
               <a:rPr lang="ru-RU" sz="2200" b="0" i="0" dirty="0">
                 <a:effectLst/>
@@ -4423,6 +4430,11 @@
             </a:r>
           </a:p>
           <a:p>
+            <a:pPr>
+              <a:lnSpc>
+                <a:spcPct val="120000"/>
+              </a:lnSpc>
+            </a:pPr>
             <a:endParaRPr lang="ru-RU" sz="2200" b="0" i="0" dirty="0">
               <a:effectLst/>
               <a:latin typeface="Arial" panose="020B0604020202020204" pitchFamily="34" charset="0"/>
@@ -4430,7 +4442,11 @@
             </a:endParaRPr>
           </a:p>
           <a:p>
-            <a:pPr algn="ctr"/>
+            <a:pPr algn="ctr">
+              <a:lnSpc>
+                <a:spcPct val="120000"/>
+              </a:lnSpc>
+            </a:pPr>
             <a:r>
               <a:rPr lang="ru-RU" sz="2200" dirty="0">
                 <a:latin typeface="Arial" panose="020B0604020202020204" pitchFamily="34" charset="0"/>
@@ -4444,39 +4460,7 @@
                 <a:latin typeface="Arial" panose="020B0604020202020204" pitchFamily="34" charset="0"/>
                 <a:cs typeface="Arial" panose="020B0604020202020204" pitchFamily="34" charset="0"/>
               </a:rPr>
-              <a:t>прогнозировать выработку солнечной энергии электростанцией на основе набора данных, включающего </a:t>
-            </a:r>
-            <a:r>
-              <a:rPr lang="ru-RU" sz="2200" b="0" i="0">
-                <a:effectLst/>
-                <a:latin typeface="Arial" panose="020B0604020202020204" pitchFamily="34" charset="0"/>
-                <a:cs typeface="Arial" panose="020B0604020202020204" pitchFamily="34" charset="0"/>
-              </a:rPr>
-              <a:t>в себя такие </a:t>
-            </a:r>
-            <a:r>
-              <a:rPr lang="ru-RU" sz="2200" b="0" i="0" dirty="0">
-                <a:effectLst/>
-                <a:latin typeface="Arial" panose="020B0604020202020204" pitchFamily="34" charset="0"/>
-                <a:cs typeface="Arial" panose="020B0604020202020204" pitchFamily="34" charset="0"/>
-              </a:rPr>
-              <a:t>измерения</a:t>
-            </a:r>
-            <a:r>
-              <a:rPr lang="ru-RU" sz="2200" b="0" i="0">
-                <a:effectLst/>
-                <a:latin typeface="Arial" panose="020B0604020202020204" pitchFamily="34" charset="0"/>
-                <a:cs typeface="Arial" panose="020B0604020202020204" pitchFamily="34" charset="0"/>
-              </a:rPr>
-              <a:t>, как выработка </a:t>
-            </a:r>
-            <a:r>
-              <a:rPr lang="ru-RU" sz="2200" b="0" i="0" dirty="0">
-                <a:effectLst/>
-                <a:latin typeface="Arial" panose="020B0604020202020204" pitchFamily="34" charset="0"/>
-                <a:cs typeface="Arial" panose="020B0604020202020204" pitchFamily="34" charset="0"/>
-              </a:rPr>
-              <a:t>электроэнергии и погодные условия станции</a:t>
+              <a:t>прогнозировать выработку солнечной энергии электростанцией на основе набора данных, включающего в себя такие измерения, как выработка электроэнергии и погодные условия станции</a:t>
             </a:r>
             <a:endParaRPr lang="ru-RU" sz="2200" dirty="0">
               <a:latin typeface="Arial" panose="020B0604020202020204" pitchFamily="34" charset="0"/>
@@ -4484,14 +4468,22 @@
             </a:endParaRPr>
           </a:p>
           <a:p>
-            <a:pPr algn="ctr"/>
+            <a:pPr algn="ctr">
+              <a:lnSpc>
+                <a:spcPct val="120000"/>
+              </a:lnSpc>
+            </a:pPr>
             <a:endParaRPr lang="ru-RU" sz="2200" dirty="0">
               <a:latin typeface="Arial" panose="020B0604020202020204" pitchFamily="34" charset="0"/>
               <a:cs typeface="Arial" panose="020B0604020202020204" pitchFamily="34" charset="0"/>
             </a:endParaRPr>
           </a:p>
           <a:p>
-            <a:pPr algn="ctr"/>
+            <a:pPr algn="ctr">
+              <a:lnSpc>
+                <a:spcPct val="120000"/>
+              </a:lnSpc>
+            </a:pPr>
             <a:r>
               <a:rPr lang="ru-RU" sz="2200" dirty="0">
                 <a:latin typeface="Arial" panose="020B0604020202020204" pitchFamily="34" charset="0"/>
@@ -4501,7 +4493,11 @@
             </a:r>
           </a:p>
           <a:p>
-            <a:pPr algn="ctr"/>
+            <a:pPr algn="ctr">
+              <a:lnSpc>
+                <a:spcPct val="120000"/>
+              </a:lnSpc>
+            </a:pPr>
             <a:endParaRPr lang="ru-RU" sz="2200" dirty="0">
               <a:latin typeface="Arial" panose="020B0604020202020204" pitchFamily="34" charset="0"/>
               <a:cs typeface="Arial" panose="020B0604020202020204" pitchFamily="34" charset="0"/>
@@ -4509,6 +4505,9 @@
           </a:p>
           <a:p>
             <a:pPr marL="276225" lvl="1">
+              <a:lnSpc>
+                <a:spcPct val="120000"/>
+              </a:lnSpc>
               <a:buFont typeface="Системный шрифт, обычный"/>
               <a:buChar char="☀️"/>
             </a:pPr>
@@ -4519,6 +4518,33 @@
               </a:rPr>
               <a:t> На основе полученных данных рассмотреть зависимость выработанной энергии и погодных условий</a:t>
             </a:r>
+          </a:p>
+          <a:p>
+            <a:pPr marL="276225" lvl="1">
+              <a:lnSpc>
+                <a:spcPct val="120000"/>
+              </a:lnSpc>
+              <a:buFont typeface="Системный шрифт, обычный"/>
+              <a:buChar char="☀️"/>
+            </a:pPr>
+            <a:r>
+              <a:rPr lang="ru-RU" sz="2200" dirty="0">
+                <a:latin typeface="Arial" panose="020B0604020202020204" pitchFamily="34" charset="0"/>
+                <a:cs typeface="Arial" panose="020B0604020202020204" pitchFamily="34" charset="0"/>
+              </a:rPr>
+              <a:t> Рассмотреть разные методы машинного обучения на основе </a:t>
+            </a:r>
+            <a:r>
+              <a:rPr lang="ru-RU" sz="2200">
+                <a:latin typeface="Arial" panose="020B0604020202020204" pitchFamily="34" charset="0"/>
+                <a:cs typeface="Arial" panose="020B0604020202020204" pitchFamily="34" charset="0"/>
+              </a:rPr>
+              <a:t>линейных регрессий</a:t>
+            </a:r>
+            <a:endParaRPr lang="ru-RU" sz="2200" dirty="0">
+              <a:latin typeface="Arial" panose="020B0604020202020204" pitchFamily="34" charset="0"/>
+              <a:cs typeface="Arial" panose="020B0604020202020204" pitchFamily="34" charset="0"/>
+            </a:endParaRPr>
           </a:p>
           <a:p>
             <a:pPr marL="276225" lvl="1">
